--- a/Lessons/Lesson 3/Lesson 3.pptx
+++ b/Lessons/Lesson 3/Lesson 3.pptx
@@ -7,6 +7,12 @@
   <p:sldIdLst>
     <p:sldId id="256" r:id="rId2"/>
     <p:sldId id="257" r:id="rId3"/>
+    <p:sldId id="261" r:id="rId4"/>
+    <p:sldId id="263" r:id="rId5"/>
+    <p:sldId id="258" r:id="rId6"/>
+    <p:sldId id="264" r:id="rId7"/>
+    <p:sldId id="259" r:id="rId8"/>
+    <p:sldId id="260" r:id="rId9"/>
   </p:sldIdLst>
   <p:sldSz cx="12192000" cy="6858000"/>
   <p:notesSz cx="6858000" cy="9144000"/>
@@ -105,6 +111,11 @@
       </a:defRPr>
     </a:lvl9pPr>
   </p:defaultTextStyle>
+  <p:extLst>
+    <p:ext uri="{EFAFB233-063F-42B5-8137-9DF3F51BA10A}">
+      <p15:sldGuideLst xmlns:p15="http://schemas.microsoft.com/office/powerpoint/2012/main"/>
+    </p:ext>
+  </p:extLst>
 </p:presentation>
 </file>
 
@@ -3000,10 +3011,16 @@
         </p:nvSpPr>
         <p:spPr/>
         <p:txBody>
-          <a:bodyPr/>
-          <a:lstStyle/>
-          <a:p>
-            <a:endParaRPr lang="en-US"/>
+          <a:bodyPr>
+            <a:normAutofit/>
+          </a:bodyPr>
+          <a:lstStyle/>
+          <a:p>
+            <a:r>
+              <a:rPr lang="en-US" sz="4400" dirty="0" smtClean="0"/>
+              <a:t>Computer Basics</a:t>
+            </a:r>
+            <a:endParaRPr lang="en-US" sz="4400" dirty="0"/>
           </a:p>
         </p:txBody>
       </p:sp>
@@ -3037,33 +3054,464 @@
           <a:chExt cx="0" cy="0"/>
         </a:xfrm>
       </p:grpSpPr>
-      <p:sp>
-        <p:nvSpPr>
-          <p:cNvPr id="2" name="Title 1"/>
-          <p:cNvSpPr>
-            <a:spLocks noGrp="1"/>
-          </p:cNvSpPr>
-          <p:nvPr>
-            <p:ph type="title"/>
-          </p:nvPr>
-        </p:nvSpPr>
-        <p:spPr/>
-        <p:txBody>
-          <a:bodyPr/>
-          <a:lstStyle/>
-          <a:p>
-            <a:r>
-              <a:rPr lang="en-US" dirty="0" smtClean="0"/>
-              <a:t>Review</a:t>
-            </a:r>
-            <a:endParaRPr lang="en-US" dirty="0"/>
-          </a:p>
-        </p:txBody>
-      </p:sp>
+      <p:pic>
+        <p:nvPicPr>
+          <p:cNvPr id="6" name="Picture 5"/>
+          <p:cNvPicPr>
+            <a:picLocks noChangeAspect="1"/>
+          </p:cNvPicPr>
+          <p:nvPr/>
+        </p:nvPicPr>
+        <p:blipFill>
+          <a:blip r:embed="rId2">
+            <a:extLst>
+              <a:ext uri="{28A0092B-C50C-407E-A947-70E740481C1C}">
+                <a14:useLocalDpi xmlns:a14="http://schemas.microsoft.com/office/drawing/2010/main" val="0"/>
+              </a:ext>
+            </a:extLst>
+          </a:blip>
+          <a:stretch>
+            <a:fillRect/>
+          </a:stretch>
+        </p:blipFill>
+        <p:spPr>
+          <a:xfrm>
+            <a:off x="898365" y="1307559"/>
+            <a:ext cx="10277670" cy="4371347"/>
+          </a:xfrm>
+          <a:prstGeom prst="rect">
+            <a:avLst/>
+          </a:prstGeom>
+        </p:spPr>
+      </p:pic>
     </p:spTree>
     <p:extLst>
       <p:ext uri="{BB962C8B-B14F-4D97-AF65-F5344CB8AC3E}">
         <p14:creationId xmlns:p14="http://schemas.microsoft.com/office/powerpoint/2010/main" val="2695952461"/>
+      </p:ext>
+    </p:extLst>
+  </p:cSld>
+  <p:clrMapOvr>
+    <a:masterClrMapping/>
+  </p:clrMapOvr>
+</p:sld>
+</file>
+
+<file path=ppt/slides/slide3.xml><?xml version="1.0" encoding="utf-8"?>
+<p:sld xmlns:a="http://schemas.openxmlformats.org/drawingml/2006/main" xmlns:r="http://schemas.openxmlformats.org/officeDocument/2006/relationships" xmlns:p="http://schemas.openxmlformats.org/presentationml/2006/main">
+  <p:cSld>
+    <p:spTree>
+      <p:nvGrpSpPr>
+        <p:cNvPr id="1" name=""/>
+        <p:cNvGrpSpPr/>
+        <p:nvPr/>
+      </p:nvGrpSpPr>
+      <p:grpSpPr>
+        <a:xfrm>
+          <a:off x="0" y="0"/>
+          <a:ext cx="0" cy="0"/>
+          <a:chOff x="0" y="0"/>
+          <a:chExt cx="0" cy="0"/>
+        </a:xfrm>
+      </p:grpSpPr>
+      <p:sp>
+        <p:nvSpPr>
+          <p:cNvPr id="4" name="Rectangle 3"/>
+          <p:cNvSpPr/>
+          <p:nvPr/>
+        </p:nvSpPr>
+        <p:spPr>
+          <a:xfrm>
+            <a:off x="1179093" y="1215190"/>
+            <a:ext cx="10166685" cy="3539430"/>
+          </a:xfrm>
+          <a:prstGeom prst="rect">
+            <a:avLst/>
+          </a:prstGeom>
+        </p:spPr>
+        <p:txBody>
+          <a:bodyPr wrap="square">
+            <a:spAutoFit/>
+          </a:bodyPr>
+          <a:lstStyle/>
+          <a:p>
+            <a:r>
+              <a:rPr lang="en-US" sz="2800" dirty="0">
+                <a:solidFill>
+                  <a:srgbClr val="000000"/>
+                </a:solidFill>
+                <a:latin typeface="Verdana" panose="020B0604030504040204" pitchFamily="34" charset="0"/>
+              </a:rPr>
+              <a:t>Cache memory is a very high speed semiconductor memory which can speed up CPU. It acts as a buffer between the CPU and main memory. It is used to hold those parts of data and program which are most frequently used by CPU. The parts of data and programs are transferred from disk to cache memory by operating system, from where CPU can access them.</a:t>
+            </a:r>
+            <a:endParaRPr lang="en-US" sz="2800" dirty="0"/>
+          </a:p>
+        </p:txBody>
+      </p:sp>
+    </p:spTree>
+    <p:extLst>
+      <p:ext uri="{BB962C8B-B14F-4D97-AF65-F5344CB8AC3E}">
+        <p14:creationId xmlns:p14="http://schemas.microsoft.com/office/powerpoint/2010/main" val="479967901"/>
+      </p:ext>
+    </p:extLst>
+  </p:cSld>
+  <p:clrMapOvr>
+    <a:masterClrMapping/>
+  </p:clrMapOvr>
+</p:sld>
+</file>
+
+<file path=ppt/slides/slide4.xml><?xml version="1.0" encoding="utf-8"?>
+<p:sld xmlns:a="http://schemas.openxmlformats.org/drawingml/2006/main" xmlns:r="http://schemas.openxmlformats.org/officeDocument/2006/relationships" xmlns:p="http://schemas.openxmlformats.org/presentationml/2006/main">
+  <p:cSld>
+    <p:spTree>
+      <p:nvGrpSpPr>
+        <p:cNvPr id="1" name=""/>
+        <p:cNvGrpSpPr/>
+        <p:nvPr/>
+      </p:nvGrpSpPr>
+      <p:grpSpPr>
+        <a:xfrm>
+          <a:off x="0" y="0"/>
+          <a:ext cx="0" cy="0"/>
+          <a:chOff x="0" y="0"/>
+          <a:chExt cx="0" cy="0"/>
+        </a:xfrm>
+      </p:grpSpPr>
+      <p:pic>
+        <p:nvPicPr>
+          <p:cNvPr id="4" name="Picture 3"/>
+          <p:cNvPicPr>
+            <a:picLocks noChangeAspect="1"/>
+          </p:cNvPicPr>
+          <p:nvPr/>
+        </p:nvPicPr>
+        <p:blipFill>
+          <a:blip r:embed="rId2">
+            <a:extLst>
+              <a:ext uri="{28A0092B-C50C-407E-A947-70E740481C1C}">
+                <a14:useLocalDpi xmlns:a14="http://schemas.microsoft.com/office/drawing/2010/main" val="0"/>
+              </a:ext>
+            </a:extLst>
+          </a:blip>
+          <a:stretch>
+            <a:fillRect/>
+          </a:stretch>
+        </p:blipFill>
+        <p:spPr>
+          <a:xfrm>
+            <a:off x="1426590" y="829428"/>
+            <a:ext cx="8764158" cy="5382257"/>
+          </a:xfrm>
+          <a:prstGeom prst="rect">
+            <a:avLst/>
+          </a:prstGeom>
+        </p:spPr>
+      </p:pic>
+    </p:spTree>
+    <p:extLst>
+      <p:ext uri="{BB962C8B-B14F-4D97-AF65-F5344CB8AC3E}">
+        <p14:creationId xmlns:p14="http://schemas.microsoft.com/office/powerpoint/2010/main" val="3550186547"/>
+      </p:ext>
+    </p:extLst>
+  </p:cSld>
+  <p:clrMapOvr>
+    <a:masterClrMapping/>
+  </p:clrMapOvr>
+</p:sld>
+</file>
+
+<file path=ppt/slides/slide5.xml><?xml version="1.0" encoding="utf-8"?>
+<p:sld xmlns:a="http://schemas.openxmlformats.org/drawingml/2006/main" xmlns:r="http://schemas.openxmlformats.org/officeDocument/2006/relationships" xmlns:p="http://schemas.openxmlformats.org/presentationml/2006/main">
+  <p:cSld>
+    <p:spTree>
+      <p:nvGrpSpPr>
+        <p:cNvPr id="1" name=""/>
+        <p:cNvGrpSpPr/>
+        <p:nvPr/>
+      </p:nvGrpSpPr>
+      <p:grpSpPr>
+        <a:xfrm>
+          <a:off x="0" y="0"/>
+          <a:ext cx="0" cy="0"/>
+          <a:chOff x="0" y="0"/>
+          <a:chExt cx="0" cy="0"/>
+        </a:xfrm>
+      </p:grpSpPr>
+      <p:pic>
+        <p:nvPicPr>
+          <p:cNvPr id="5" name="Picture 4"/>
+          <p:cNvPicPr>
+            <a:picLocks noChangeAspect="1"/>
+          </p:cNvPicPr>
+          <p:nvPr/>
+        </p:nvPicPr>
+        <p:blipFill>
+          <a:blip r:embed="rId2">
+            <a:extLst>
+              <a:ext uri="{28A0092B-C50C-407E-A947-70E740481C1C}">
+                <a14:useLocalDpi xmlns:a14="http://schemas.microsoft.com/office/drawing/2010/main" val="0"/>
+              </a:ext>
+            </a:extLst>
+          </a:blip>
+          <a:stretch>
+            <a:fillRect/>
+          </a:stretch>
+        </p:blipFill>
+        <p:spPr>
+          <a:xfrm>
+            <a:off x="1644315" y="315401"/>
+            <a:ext cx="8450180" cy="5820627"/>
+          </a:xfrm>
+          <a:prstGeom prst="rect">
+            <a:avLst/>
+          </a:prstGeom>
+        </p:spPr>
+      </p:pic>
+    </p:spTree>
+    <p:extLst>
+      <p:ext uri="{BB962C8B-B14F-4D97-AF65-F5344CB8AC3E}">
+        <p14:creationId xmlns:p14="http://schemas.microsoft.com/office/powerpoint/2010/main" val="1315128975"/>
+      </p:ext>
+    </p:extLst>
+  </p:cSld>
+  <p:clrMapOvr>
+    <a:masterClrMapping/>
+  </p:clrMapOvr>
+</p:sld>
+</file>
+
+<file path=ppt/slides/slide6.xml><?xml version="1.0" encoding="utf-8"?>
+<p:sld xmlns:a="http://schemas.openxmlformats.org/drawingml/2006/main" xmlns:r="http://schemas.openxmlformats.org/officeDocument/2006/relationships" xmlns:p="http://schemas.openxmlformats.org/presentationml/2006/main">
+  <p:cSld>
+    <p:spTree>
+      <p:nvGrpSpPr>
+        <p:cNvPr id="1" name=""/>
+        <p:cNvGrpSpPr/>
+        <p:nvPr/>
+      </p:nvGrpSpPr>
+      <p:grpSpPr>
+        <a:xfrm>
+          <a:off x="0" y="0"/>
+          <a:ext cx="0" cy="0"/>
+          <a:chOff x="0" y="0"/>
+          <a:chExt cx="0" cy="0"/>
+        </a:xfrm>
+      </p:grpSpPr>
+      <p:pic>
+        <p:nvPicPr>
+          <p:cNvPr id="4" name="Picture 3"/>
+          <p:cNvPicPr>
+            <a:picLocks noChangeAspect="1"/>
+          </p:cNvPicPr>
+          <p:nvPr/>
+        </p:nvPicPr>
+        <p:blipFill>
+          <a:blip r:embed="rId2">
+            <a:extLst>
+              <a:ext uri="{28A0092B-C50C-407E-A947-70E740481C1C}">
+                <a14:useLocalDpi xmlns:a14="http://schemas.microsoft.com/office/drawing/2010/main" val="0"/>
+              </a:ext>
+            </a:extLst>
+          </a:blip>
+          <a:stretch>
+            <a:fillRect/>
+          </a:stretch>
+        </p:blipFill>
+        <p:spPr>
+          <a:xfrm>
+            <a:off x="256352" y="1106178"/>
+            <a:ext cx="7413339" cy="4193064"/>
+          </a:xfrm>
+          <a:prstGeom prst="rect">
+            <a:avLst/>
+          </a:prstGeom>
+        </p:spPr>
+      </p:pic>
+      <p:pic>
+        <p:nvPicPr>
+          <p:cNvPr id="5" name="Picture 4"/>
+          <p:cNvPicPr>
+            <a:picLocks noChangeAspect="1"/>
+          </p:cNvPicPr>
+          <p:nvPr/>
+        </p:nvPicPr>
+        <p:blipFill>
+          <a:blip r:embed="rId3">
+            <a:extLst>
+              <a:ext uri="{28A0092B-C50C-407E-A947-70E740481C1C}">
+                <a14:useLocalDpi xmlns:a14="http://schemas.microsoft.com/office/drawing/2010/main" val="0"/>
+              </a:ext>
+            </a:extLst>
+          </a:blip>
+          <a:stretch>
+            <a:fillRect/>
+          </a:stretch>
+        </p:blipFill>
+        <p:spPr>
+          <a:xfrm>
+            <a:off x="7669691" y="1640392"/>
+            <a:ext cx="3591426" cy="3124636"/>
+          </a:xfrm>
+          <a:prstGeom prst="rect">
+            <a:avLst/>
+          </a:prstGeom>
+        </p:spPr>
+      </p:pic>
+    </p:spTree>
+    <p:extLst>
+      <p:ext uri="{BB962C8B-B14F-4D97-AF65-F5344CB8AC3E}">
+        <p14:creationId xmlns:p14="http://schemas.microsoft.com/office/powerpoint/2010/main" val="33749746"/>
+      </p:ext>
+    </p:extLst>
+  </p:cSld>
+  <p:clrMapOvr>
+    <a:masterClrMapping/>
+  </p:clrMapOvr>
+</p:sld>
+</file>
+
+<file path=ppt/slides/slide7.xml><?xml version="1.0" encoding="utf-8"?>
+<p:sld xmlns:a="http://schemas.openxmlformats.org/drawingml/2006/main" xmlns:r="http://schemas.openxmlformats.org/officeDocument/2006/relationships" xmlns:p="http://schemas.openxmlformats.org/presentationml/2006/main">
+  <p:cSld>
+    <p:spTree>
+      <p:nvGrpSpPr>
+        <p:cNvPr id="1" name=""/>
+        <p:cNvGrpSpPr/>
+        <p:nvPr/>
+      </p:nvGrpSpPr>
+      <p:grpSpPr>
+        <a:xfrm>
+          <a:off x="0" y="0"/>
+          <a:ext cx="0" cy="0"/>
+          <a:chOff x="0" y="0"/>
+          <a:chExt cx="0" cy="0"/>
+        </a:xfrm>
+      </p:grpSpPr>
+      <p:pic>
+        <p:nvPicPr>
+          <p:cNvPr id="4" name="Picture 3"/>
+          <p:cNvPicPr>
+            <a:picLocks noChangeAspect="1"/>
+          </p:cNvPicPr>
+          <p:nvPr/>
+        </p:nvPicPr>
+        <p:blipFill>
+          <a:blip r:embed="rId2">
+            <a:extLst>
+              <a:ext uri="{28A0092B-C50C-407E-A947-70E740481C1C}">
+                <a14:useLocalDpi xmlns:a14="http://schemas.microsoft.com/office/drawing/2010/main" val="0"/>
+              </a:ext>
+            </a:extLst>
+          </a:blip>
+          <a:stretch>
+            <a:fillRect/>
+          </a:stretch>
+        </p:blipFill>
+        <p:spPr>
+          <a:xfrm>
+            <a:off x="566811" y="560498"/>
+            <a:ext cx="10706778" cy="5611484"/>
+          </a:xfrm>
+          <a:prstGeom prst="rect">
+            <a:avLst/>
+          </a:prstGeom>
+        </p:spPr>
+      </p:pic>
+    </p:spTree>
+    <p:extLst>
+      <p:ext uri="{BB962C8B-B14F-4D97-AF65-F5344CB8AC3E}">
+        <p14:creationId xmlns:p14="http://schemas.microsoft.com/office/powerpoint/2010/main" val="3020591438"/>
+      </p:ext>
+    </p:extLst>
+  </p:cSld>
+  <p:clrMapOvr>
+    <a:masterClrMapping/>
+  </p:clrMapOvr>
+</p:sld>
+</file>
+
+<file path=ppt/slides/slide8.xml><?xml version="1.0" encoding="utf-8"?>
+<p:sld xmlns:a="http://schemas.openxmlformats.org/drawingml/2006/main" xmlns:r="http://schemas.openxmlformats.org/officeDocument/2006/relationships" xmlns:p="http://schemas.openxmlformats.org/presentationml/2006/main">
+  <p:cSld>
+    <p:spTree>
+      <p:nvGrpSpPr>
+        <p:cNvPr id="1" name=""/>
+        <p:cNvGrpSpPr/>
+        <p:nvPr/>
+      </p:nvGrpSpPr>
+      <p:grpSpPr>
+        <a:xfrm>
+          <a:off x="0" y="0"/>
+          <a:ext cx="0" cy="0"/>
+          <a:chOff x="0" y="0"/>
+          <a:chExt cx="0" cy="0"/>
+        </a:xfrm>
+      </p:grpSpPr>
+      <p:pic>
+        <p:nvPicPr>
+          <p:cNvPr id="4" name="Picture 3"/>
+          <p:cNvPicPr>
+            <a:picLocks noChangeAspect="1"/>
+          </p:cNvPicPr>
+          <p:nvPr/>
+        </p:nvPicPr>
+        <p:blipFill>
+          <a:blip r:embed="rId2">
+            <a:extLst>
+              <a:ext uri="{28A0092B-C50C-407E-A947-70E740481C1C}">
+                <a14:useLocalDpi xmlns:a14="http://schemas.microsoft.com/office/drawing/2010/main" val="0"/>
+              </a:ext>
+            </a:extLst>
+          </a:blip>
+          <a:stretch>
+            <a:fillRect/>
+          </a:stretch>
+        </p:blipFill>
+        <p:spPr>
+          <a:xfrm>
+            <a:off x="444183" y="1767234"/>
+            <a:ext cx="7533334" cy="4096538"/>
+          </a:xfrm>
+          <a:prstGeom prst="rect">
+            <a:avLst/>
+          </a:prstGeom>
+        </p:spPr>
+      </p:pic>
+      <p:pic>
+        <p:nvPicPr>
+          <p:cNvPr id="5" name="Picture 4"/>
+          <p:cNvPicPr>
+            <a:picLocks noChangeAspect="1"/>
+          </p:cNvPicPr>
+          <p:nvPr/>
+        </p:nvPicPr>
+        <p:blipFill>
+          <a:blip r:embed="rId3">
+            <a:extLst>
+              <a:ext uri="{28A0092B-C50C-407E-A947-70E740481C1C}">
+                <a14:useLocalDpi xmlns:a14="http://schemas.microsoft.com/office/drawing/2010/main" val="0"/>
+              </a:ext>
+            </a:extLst>
+          </a:blip>
+          <a:stretch>
+            <a:fillRect/>
+          </a:stretch>
+        </p:blipFill>
+        <p:spPr>
+          <a:xfrm>
+            <a:off x="7866743" y="2229846"/>
+            <a:ext cx="4183938" cy="3146598"/>
+          </a:xfrm>
+          <a:prstGeom prst="rect">
+            <a:avLst/>
+          </a:prstGeom>
+        </p:spPr>
+      </p:pic>
+    </p:spTree>
+    <p:extLst>
+      <p:ext uri="{BB962C8B-B14F-4D97-AF65-F5344CB8AC3E}">
+        <p14:creationId xmlns:p14="http://schemas.microsoft.com/office/powerpoint/2010/main" val="1631021362"/>
       </p:ext>
     </p:extLst>
   </p:cSld>
